--- a/Pac-Man (Python) PowerPoint Presentation.pptx
+++ b/Pac-Man (Python) PowerPoint Presentation.pptx
@@ -8215,7 +8215,13 @@
           <a:p>
             <a:r>
               <a:rPr lang="en-GB" dirty="0"/>
-              <a:t>The aim of the game is to consume all of the pellets on the map and avoid to avoid the ghosts (which are the enemies of Pac-Man)</a:t>
+              <a:t>The aim of the game is to consume all of the pellets on the map and avoid the ghosts (which are the enemies of Pac-Man)</a:t>
+            </a:r>
+          </a:p>
+          <a:p>
+            <a:r>
+              <a:rPr lang="en-GB" dirty="0"/>
+              <a:t>Pac-man has three lives to achieve this goal, once hit by a ghost when a power-up isn’t active, Pac-man loses a life. However, if a power-up is active and Pac-man touches a ghost, the ghost is consumed and the score is increased.</a:t>
             </a:r>
           </a:p>
           <a:p>
@@ -8348,7 +8354,7 @@
         </p:nvSpPr>
         <p:spPr>
           <a:xfrm>
-            <a:off x="7632833" y="1489509"/>
+            <a:off x="6977051" y="1579406"/>
             <a:ext cx="4559167" cy="4249554"/>
           </a:xfrm>
           <a:prstGeom prst="rect">
@@ -8388,7 +8394,7 @@
                   <a:schemeClr val="tx1"/>
                 </a:solidFill>
               </a:rPr>
-              <a:t>The game starts out with the player (Pac-Man) on the left hand side, and the ghosts in all 4 corners of the map. </a:t>
+              <a:t>The game starts out with the player (Pac-Man) on the left-hand side, and the ghosts in all 4 corners of the map. </a:t>
             </a:r>
           </a:p>
           <a:p>
@@ -8475,6 +8481,36 @@
           </a:p>
         </p:txBody>
       </p:sp>
+      <p:pic>
+        <p:nvPicPr>
+          <p:cNvPr id="4" name="Picture 3" descr="A screenshot of a game&#10;&#10;Description automatically generated with medium confidence">
+            <a:extLst>
+              <a:ext uri="{FF2B5EF4-FFF2-40B4-BE49-F238E27FC236}">
+                <a16:creationId xmlns:a16="http://schemas.microsoft.com/office/drawing/2014/main" id="{2A79A6D1-A005-4017-FD07-C93E8B6A272A}"/>
+              </a:ext>
+            </a:extLst>
+          </p:cNvPr>
+          <p:cNvPicPr>
+            <a:picLocks noChangeAspect="1"/>
+          </p:cNvPicPr>
+          <p:nvPr/>
+        </p:nvPicPr>
+        <p:blipFill>
+          <a:blip r:embed="rId2"/>
+          <a:stretch>
+            <a:fillRect/>
+          </a:stretch>
+        </p:blipFill>
+        <p:spPr>
+          <a:xfrm>
+            <a:off x="1271394" y="1352349"/>
+            <a:ext cx="4824606" cy="5283227"/>
+          </a:xfrm>
+          <a:prstGeom prst="rect">
+            <a:avLst/>
+          </a:prstGeom>
+        </p:spPr>
+      </p:pic>
     </p:spTree>
     <p:extLst>
       <p:ext uri="{BB962C8B-B14F-4D97-AF65-F5344CB8AC3E}">
@@ -8554,7 +8590,7 @@
         </p:nvSpPr>
         <p:spPr>
           <a:xfrm>
-            <a:off x="7623208" y="741145"/>
+            <a:off x="7059790" y="1150984"/>
             <a:ext cx="4559167" cy="5221706"/>
           </a:xfrm>
           <a:prstGeom prst="rect">
@@ -8652,6 +8688,36 @@
           </a:p>
         </p:txBody>
       </p:sp>
+      <p:pic>
+        <p:nvPicPr>
+          <p:cNvPr id="5" name="Picture 4" descr="A screenshot of a game&#10;&#10;Description automatically generated with medium confidence">
+            <a:extLst>
+              <a:ext uri="{FF2B5EF4-FFF2-40B4-BE49-F238E27FC236}">
+                <a16:creationId xmlns:a16="http://schemas.microsoft.com/office/drawing/2014/main" id="{B7A1F737-366B-7662-1C18-91851AC790FD}"/>
+              </a:ext>
+            </a:extLst>
+          </p:cNvPr>
+          <p:cNvPicPr>
+            <a:picLocks noChangeAspect="1"/>
+          </p:cNvPicPr>
+          <p:nvPr/>
+        </p:nvPicPr>
+        <p:blipFill>
+          <a:blip r:embed="rId2"/>
+          <a:stretch>
+            <a:fillRect/>
+          </a:stretch>
+        </p:blipFill>
+        <p:spPr>
+          <a:xfrm>
+            <a:off x="982835" y="1283856"/>
+            <a:ext cx="4914244" cy="5381386"/>
+          </a:xfrm>
+          <a:prstGeom prst="rect">
+            <a:avLst/>
+          </a:prstGeom>
+        </p:spPr>
+      </p:pic>
     </p:spTree>
     <p:extLst>
       <p:ext uri="{BB962C8B-B14F-4D97-AF65-F5344CB8AC3E}">
@@ -8729,7 +8795,7 @@
         </p:nvSpPr>
         <p:spPr>
           <a:xfrm>
-            <a:off x="8221043" y="1443789"/>
+            <a:off x="7445566" y="1822480"/>
             <a:ext cx="3970957" cy="4239929"/>
           </a:xfrm>
           <a:prstGeom prst="rect">
@@ -8801,10 +8867,40 @@
           <a:bodyPr/>
           <a:lstStyle/>
           <a:p>
-            <a:endParaRPr lang="en-GB"/>
-          </a:p>
-        </p:txBody>
-      </p:sp>
+            <a:endParaRPr lang="en-GB" dirty="0"/>
+          </a:p>
+        </p:txBody>
+      </p:sp>
+      <p:pic>
+        <p:nvPicPr>
+          <p:cNvPr id="3" name="Picture 2" descr="A screenshot of a game&#10;&#10;Description automatically generated with medium confidence">
+            <a:extLst>
+              <a:ext uri="{FF2B5EF4-FFF2-40B4-BE49-F238E27FC236}">
+                <a16:creationId xmlns:a16="http://schemas.microsoft.com/office/drawing/2014/main" id="{4AAF2755-D54B-6EAA-758C-B62149FE789C}"/>
+              </a:ext>
+            </a:extLst>
+          </p:cNvPr>
+          <p:cNvPicPr>
+            <a:picLocks noChangeAspect="1"/>
+          </p:cNvPicPr>
+          <p:nvPr/>
+        </p:nvPicPr>
+        <p:blipFill>
+          <a:blip r:embed="rId2"/>
+          <a:stretch>
+            <a:fillRect/>
+          </a:stretch>
+        </p:blipFill>
+        <p:spPr>
+          <a:xfrm>
+            <a:off x="1239646" y="1363414"/>
+            <a:ext cx="4856354" cy="5317993"/>
+          </a:xfrm>
+          <a:prstGeom prst="rect">
+            <a:avLst/>
+          </a:prstGeom>
+        </p:spPr>
+      </p:pic>
     </p:spTree>
     <p:extLst>
       <p:ext uri="{BB962C8B-B14F-4D97-AF65-F5344CB8AC3E}">
@@ -9072,10 +9168,70 @@
           <a:bodyPr/>
           <a:lstStyle/>
           <a:p>
-            <a:endParaRPr lang="en-GB"/>
-          </a:p>
-        </p:txBody>
-      </p:sp>
+            <a:endParaRPr lang="en-GB" dirty="0"/>
+          </a:p>
+        </p:txBody>
+      </p:sp>
+      <p:pic>
+        <p:nvPicPr>
+          <p:cNvPr id="3" name="Picture 2" descr="A screenshot of a game&#10;&#10;Description automatically generated with medium confidence">
+            <a:extLst>
+              <a:ext uri="{FF2B5EF4-FFF2-40B4-BE49-F238E27FC236}">
+                <a16:creationId xmlns:a16="http://schemas.microsoft.com/office/drawing/2014/main" id="{AC2DD7DF-C51A-7EC7-46F1-4D4712862E05}"/>
+              </a:ext>
+            </a:extLst>
+          </p:cNvPr>
+          <p:cNvPicPr>
+            <a:picLocks noChangeAspect="1"/>
+          </p:cNvPicPr>
+          <p:nvPr/>
+        </p:nvPicPr>
+        <p:blipFill>
+          <a:blip r:embed="rId2"/>
+          <a:stretch>
+            <a:fillRect/>
+          </a:stretch>
+        </p:blipFill>
+        <p:spPr>
+          <a:xfrm>
+            <a:off x="845951" y="2424763"/>
+            <a:ext cx="3936351" cy="4310536"/>
+          </a:xfrm>
+          <a:prstGeom prst="rect">
+            <a:avLst/>
+          </a:prstGeom>
+        </p:spPr>
+      </p:pic>
+      <p:pic>
+        <p:nvPicPr>
+          <p:cNvPr id="4" name="Picture 3" descr="A screenshot of a game&#10;&#10;Description automatically generated with medium confidence">
+            <a:extLst>
+              <a:ext uri="{FF2B5EF4-FFF2-40B4-BE49-F238E27FC236}">
+                <a16:creationId xmlns:a16="http://schemas.microsoft.com/office/drawing/2014/main" id="{ED7BACDD-6285-5F08-0330-22AC9D8461BC}"/>
+              </a:ext>
+            </a:extLst>
+          </p:cNvPr>
+          <p:cNvPicPr>
+            <a:picLocks noChangeAspect="1"/>
+          </p:cNvPicPr>
+          <p:nvPr/>
+        </p:nvPicPr>
+        <p:blipFill>
+          <a:blip r:embed="rId3"/>
+          <a:stretch>
+            <a:fillRect/>
+          </a:stretch>
+        </p:blipFill>
+        <p:spPr>
+          <a:xfrm>
+            <a:off x="7749814" y="2424764"/>
+            <a:ext cx="3936351" cy="4310535"/>
+          </a:xfrm>
+          <a:prstGeom prst="rect">
+            <a:avLst/>
+          </a:prstGeom>
+        </p:spPr>
+      </p:pic>
     </p:spTree>
     <p:extLst>
       <p:ext uri="{BB962C8B-B14F-4D97-AF65-F5344CB8AC3E}">
@@ -9328,6 +9484,66 @@
           </a:p>
         </p:txBody>
       </p:sp>
+      <p:pic>
+        <p:nvPicPr>
+          <p:cNvPr id="4" name="Picture 3" descr="A screenshot of a game&#10;&#10;Description automatically generated with medium confidence">
+            <a:extLst>
+              <a:ext uri="{FF2B5EF4-FFF2-40B4-BE49-F238E27FC236}">
+                <a16:creationId xmlns:a16="http://schemas.microsoft.com/office/drawing/2014/main" id="{AE6752C9-AE5F-E7C3-0E52-05A7E5E79538}"/>
+              </a:ext>
+            </a:extLst>
+          </p:cNvPr>
+          <p:cNvPicPr>
+            <a:picLocks noChangeAspect="1"/>
+          </p:cNvPicPr>
+          <p:nvPr/>
+        </p:nvPicPr>
+        <p:blipFill>
+          <a:blip r:embed="rId2"/>
+          <a:stretch>
+            <a:fillRect/>
+          </a:stretch>
+        </p:blipFill>
+        <p:spPr>
+          <a:xfrm>
+            <a:off x="4452744" y="1684677"/>
+            <a:ext cx="4140373" cy="4533952"/>
+          </a:xfrm>
+          <a:prstGeom prst="rect">
+            <a:avLst/>
+          </a:prstGeom>
+        </p:spPr>
+      </p:pic>
+      <p:pic>
+        <p:nvPicPr>
+          <p:cNvPr id="8" name="Picture 7" descr="A screenshot of a game&#10;&#10;Description automatically generated with medium confidence">
+            <a:extLst>
+              <a:ext uri="{FF2B5EF4-FFF2-40B4-BE49-F238E27FC236}">
+                <a16:creationId xmlns:a16="http://schemas.microsoft.com/office/drawing/2014/main" id="{AFBADC3E-F332-CD07-178F-E0A7F951784E}"/>
+              </a:ext>
+            </a:extLst>
+          </p:cNvPr>
+          <p:cNvPicPr>
+            <a:picLocks noChangeAspect="1"/>
+          </p:cNvPicPr>
+          <p:nvPr/>
+        </p:nvPicPr>
+        <p:blipFill>
+          <a:blip r:embed="rId3"/>
+          <a:stretch>
+            <a:fillRect/>
+          </a:stretch>
+        </p:blipFill>
+        <p:spPr>
+          <a:xfrm>
+            <a:off x="270195" y="1684677"/>
+            <a:ext cx="4140374" cy="4533952"/>
+          </a:xfrm>
+          <a:prstGeom prst="rect">
+            <a:avLst/>
+          </a:prstGeom>
+        </p:spPr>
+      </p:pic>
     </p:spTree>
     <p:extLst>
       <p:ext uri="{BB962C8B-B14F-4D97-AF65-F5344CB8AC3E}">
@@ -9512,6 +9728,36 @@
           </a:p>
         </p:txBody>
       </p:sp>
+      <p:pic>
+        <p:nvPicPr>
+          <p:cNvPr id="4" name="Picture 3" descr="A picture containing diagram&#10;&#10;Description automatically generated">
+            <a:extLst>
+              <a:ext uri="{FF2B5EF4-FFF2-40B4-BE49-F238E27FC236}">
+                <a16:creationId xmlns:a16="http://schemas.microsoft.com/office/drawing/2014/main" id="{9FB74122-3857-5D7B-27C3-528C43521908}"/>
+              </a:ext>
+            </a:extLst>
+          </p:cNvPr>
+          <p:cNvPicPr>
+            <a:picLocks noChangeAspect="1"/>
+          </p:cNvPicPr>
+          <p:nvPr/>
+        </p:nvPicPr>
+        <p:blipFill>
+          <a:blip r:embed="rId2"/>
+          <a:stretch>
+            <a:fillRect/>
+          </a:stretch>
+        </p:blipFill>
+        <p:spPr>
+          <a:xfrm>
+            <a:off x="1137968" y="1412604"/>
+            <a:ext cx="4803495" cy="5260109"/>
+          </a:xfrm>
+          <a:prstGeom prst="rect">
+            <a:avLst/>
+          </a:prstGeom>
+        </p:spPr>
+      </p:pic>
     </p:spTree>
     <p:extLst>
       <p:ext uri="{BB962C8B-B14F-4D97-AF65-F5344CB8AC3E}">
